--- a/Documentation/ПрезентацияTurnBasedStrategy.pptx
+++ b/Documentation/ПрезентацияTurnBasedStrategy.pptx
@@ -200,7 +200,8 @@
           <a:p>
             <a:fld id="{E67FDF0B-72B6-4234-86AF-9660BDDA2EE4}" type="datetimeFigureOut">
               <a:rPr lang="ru-RU" smtClean="0"/>
-              <a:t>21.12.2020</a:t>
+              <a:pPr/>
+              <a:t>22.12.2020</a:t>
             </a:fld>
             <a:endParaRPr lang="ru-RU"/>
           </a:p>
@@ -361,6 +362,7 @@
           <a:p>
             <a:fld id="{A27D45F8-D7B5-41CF-A691-A905E141EBD9}" type="slidenum">
               <a:rPr lang="ru-RU" smtClean="0"/>
+              <a:pPr/>
               <a:t>‹#›</a:t>
             </a:fld>
             <a:endParaRPr lang="ru-RU"/>
@@ -684,7 +686,8 @@
           <a:p>
             <a:fld id="{9E2EBBBB-F85A-42EC-A9FE-E3E7C4097D19}" type="datetimeFigureOut">
               <a:rPr lang="ru-RU" smtClean="0"/>
-              <a:t>21.12.2020</a:t>
+              <a:pPr/>
+              <a:t>22.12.2020</a:t>
             </a:fld>
             <a:endParaRPr lang="ru-RU"/>
           </a:p>
@@ -748,6 +751,7 @@
           <a:p>
             <a:fld id="{8441579E-B72F-4D57-9C5E-F3D7FE25588F}" type="slidenum">
               <a:rPr lang="ru-RU" smtClean="0"/>
+              <a:pPr/>
               <a:t>‹#›</a:t>
             </a:fld>
             <a:endParaRPr lang="ru-RU"/>
@@ -871,7 +875,8 @@
           <a:p>
             <a:fld id="{9E2EBBBB-F85A-42EC-A9FE-E3E7C4097D19}" type="datetimeFigureOut">
               <a:rPr lang="ru-RU" smtClean="0"/>
-              <a:t>21.12.2020</a:t>
+              <a:pPr/>
+              <a:t>22.12.2020</a:t>
             </a:fld>
             <a:endParaRPr lang="ru-RU"/>
           </a:p>
@@ -913,6 +918,7 @@
           <a:p>
             <a:fld id="{8441579E-B72F-4D57-9C5E-F3D7FE25588F}" type="slidenum">
               <a:rPr lang="ru-RU" smtClean="0"/>
+              <a:pPr/>
               <a:t>‹#›</a:t>
             </a:fld>
             <a:endParaRPr lang="ru-RU"/>
@@ -1046,7 +1052,8 @@
           <a:p>
             <a:fld id="{9E2EBBBB-F85A-42EC-A9FE-E3E7C4097D19}" type="datetimeFigureOut">
               <a:rPr lang="ru-RU" smtClean="0"/>
-              <a:t>21.12.2020</a:t>
+              <a:pPr/>
+              <a:t>22.12.2020</a:t>
             </a:fld>
             <a:endParaRPr lang="ru-RU"/>
           </a:p>
@@ -1088,6 +1095,7 @@
           <a:p>
             <a:fld id="{8441579E-B72F-4D57-9C5E-F3D7FE25588F}" type="slidenum">
               <a:rPr lang="ru-RU" smtClean="0"/>
+              <a:pPr/>
               <a:t>‹#›</a:t>
             </a:fld>
             <a:endParaRPr lang="ru-RU"/>
@@ -1226,7 +1234,8 @@
           <a:p>
             <a:fld id="{9E2EBBBB-F85A-42EC-A9FE-E3E7C4097D19}" type="datetimeFigureOut">
               <a:rPr lang="ru-RU" smtClean="0"/>
-              <a:t>21.12.2020</a:t>
+              <a:pPr/>
+              <a:t>22.12.2020</a:t>
             </a:fld>
             <a:endParaRPr lang="ru-RU"/>
           </a:p>
@@ -1273,6 +1282,7 @@
           <a:p>
             <a:fld id="{8441579E-B72F-4D57-9C5E-F3D7FE25588F}" type="slidenum">
               <a:rPr lang="ru-RU" smtClean="0"/>
+              <a:pPr/>
               <a:t>‹#›</a:t>
             </a:fld>
             <a:endParaRPr lang="ru-RU"/>
@@ -1473,7 +1483,8 @@
           <a:p>
             <a:fld id="{9E2EBBBB-F85A-42EC-A9FE-E3E7C4097D19}" type="datetimeFigureOut">
               <a:rPr lang="ru-RU" smtClean="0"/>
-              <a:t>21.12.2020</a:t>
+              <a:pPr/>
+              <a:t>22.12.2020</a:t>
             </a:fld>
             <a:endParaRPr lang="ru-RU"/>
           </a:p>
@@ -1525,6 +1536,7 @@
           <a:p>
             <a:fld id="{8441579E-B72F-4D57-9C5E-F3D7FE25588F}" type="slidenum">
               <a:rPr lang="ru-RU" smtClean="0"/>
+              <a:pPr/>
               <a:t>‹#›</a:t>
             </a:fld>
             <a:endParaRPr lang="ru-RU"/>
@@ -1947,7 +1959,8 @@
           <a:p>
             <a:fld id="{9E2EBBBB-F85A-42EC-A9FE-E3E7C4097D19}" type="datetimeFigureOut">
               <a:rPr lang="ru-RU" smtClean="0"/>
-              <a:t>21.12.2020</a:t>
+              <a:pPr/>
+              <a:t>22.12.2020</a:t>
             </a:fld>
             <a:endParaRPr lang="ru-RU"/>
           </a:p>
@@ -1999,6 +2012,7 @@
           <a:p>
             <a:fld id="{8441579E-B72F-4D57-9C5E-F3D7FE25588F}" type="slidenum">
               <a:rPr lang="ru-RU" smtClean="0"/>
+              <a:pPr/>
               <a:t>‹#›</a:t>
             </a:fld>
             <a:endParaRPr lang="ru-RU"/>
@@ -2362,7 +2376,8 @@
           <a:p>
             <a:fld id="{9E2EBBBB-F85A-42EC-A9FE-E3E7C4097D19}" type="datetimeFigureOut">
               <a:rPr lang="ru-RU" smtClean="0"/>
-              <a:t>21.12.2020</a:t>
+              <a:pPr/>
+              <a:t>22.12.2020</a:t>
             </a:fld>
             <a:endParaRPr lang="ru-RU"/>
           </a:p>
@@ -2418,6 +2433,7 @@
           <a:p>
             <a:fld id="{8441579E-B72F-4D57-9C5E-F3D7FE25588F}" type="slidenum">
               <a:rPr lang="ru-RU" smtClean="0"/>
+              <a:pPr/>
               <a:t>‹#›</a:t>
             </a:fld>
             <a:endParaRPr lang="ru-RU"/>
@@ -2493,7 +2509,8 @@
           <a:p>
             <a:fld id="{9E2EBBBB-F85A-42EC-A9FE-E3E7C4097D19}" type="datetimeFigureOut">
               <a:rPr lang="ru-RU" smtClean="0"/>
-              <a:t>21.12.2020</a:t>
+              <a:pPr/>
+              <a:t>22.12.2020</a:t>
             </a:fld>
             <a:endParaRPr lang="ru-RU"/>
           </a:p>
@@ -2535,6 +2552,7 @@
           <a:p>
             <a:fld id="{8441579E-B72F-4D57-9C5E-F3D7FE25588F}" type="slidenum">
               <a:rPr lang="ru-RU" smtClean="0"/>
+              <a:pPr/>
               <a:t>‹#›</a:t>
             </a:fld>
             <a:endParaRPr lang="ru-RU"/>
@@ -2588,7 +2606,8 @@
           <a:p>
             <a:fld id="{9E2EBBBB-F85A-42EC-A9FE-E3E7C4097D19}" type="datetimeFigureOut">
               <a:rPr lang="ru-RU" smtClean="0"/>
-              <a:t>21.12.2020</a:t>
+              <a:pPr/>
+              <a:t>22.12.2020</a:t>
             </a:fld>
             <a:endParaRPr lang="ru-RU"/>
           </a:p>
@@ -2640,6 +2659,7 @@
           <a:p>
             <a:fld id="{8441579E-B72F-4D57-9C5E-F3D7FE25588F}" type="slidenum">
               <a:rPr lang="ru-RU" smtClean="0"/>
+              <a:pPr/>
               <a:t>‹#›</a:t>
             </a:fld>
             <a:endParaRPr lang="ru-RU"/>
@@ -2866,7 +2886,8 @@
           <a:p>
             <a:fld id="{9E2EBBBB-F85A-42EC-A9FE-E3E7C4097D19}" type="datetimeFigureOut">
               <a:rPr lang="ru-RU" smtClean="0"/>
-              <a:t>21.12.2020</a:t>
+              <a:pPr/>
+              <a:t>22.12.2020</a:t>
             </a:fld>
             <a:endParaRPr lang="ru-RU"/>
           </a:p>
@@ -2926,6 +2947,7 @@
           <a:p>
             <a:fld id="{8441579E-B72F-4D57-9C5E-F3D7FE25588F}" type="slidenum">
               <a:rPr lang="ru-RU" smtClean="0"/>
+              <a:pPr/>
               <a:t>‹#›</a:t>
             </a:fld>
             <a:endParaRPr lang="ru-RU"/>
@@ -3118,7 +3140,8 @@
           <a:p>
             <a:fld id="{9E2EBBBB-F85A-42EC-A9FE-E3E7C4097D19}" type="datetimeFigureOut">
               <a:rPr lang="ru-RU" smtClean="0"/>
-              <a:t>21.12.2020</a:t>
+              <a:pPr/>
+              <a:t>22.12.2020</a:t>
             </a:fld>
             <a:endParaRPr lang="ru-RU"/>
           </a:p>
@@ -3178,6 +3201,7 @@
           <a:p>
             <a:fld id="{8441579E-B72F-4D57-9C5E-F3D7FE25588F}" type="slidenum">
               <a:rPr lang="ru-RU" smtClean="0"/>
+              <a:pPr/>
               <a:t>‹#›</a:t>
             </a:fld>
             <a:endParaRPr lang="ru-RU"/>
@@ -3490,7 +3514,8 @@
           <a:p>
             <a:fld id="{9E2EBBBB-F85A-42EC-A9FE-E3E7C4097D19}" type="datetimeFigureOut">
               <a:rPr lang="ru-RU" smtClean="0"/>
-              <a:t>21.12.2020</a:t>
+              <a:pPr/>
+              <a:t>22.12.2020</a:t>
             </a:fld>
             <a:endParaRPr lang="ru-RU"/>
           </a:p>
@@ -3564,6 +3589,7 @@
           <a:p>
             <a:fld id="{8441579E-B72F-4D57-9C5E-F3D7FE25588F}" type="slidenum">
               <a:rPr lang="ru-RU" smtClean="0"/>
+              <a:pPr/>
               <a:t>‹#›</a:t>
             </a:fld>
             <a:endParaRPr lang="ru-RU"/>
@@ -4874,11 +4900,7 @@
             </a:pPr>
             <a:r>
               <a:rPr lang="ru-RU" dirty="0" smtClean="0"/>
-              <a:t>	</a:t>
-            </a:r>
-            <a:r>
-              <a:rPr lang="ru-RU" dirty="0" smtClean="0"/>
-              <a:t>1. Подогнать механики игры под новую идею</a:t>
+              <a:t>	1. Подогнать механики игры под новую идею</a:t>
             </a:r>
           </a:p>
           <a:p>
@@ -4913,11 +4935,7 @@
             </a:pPr>
             <a:r>
               <a:rPr lang="ru-RU" smtClean="0"/>
-              <a:t>	</a:t>
-            </a:r>
-            <a:r>
-              <a:rPr lang="ru-RU" smtClean="0"/>
-              <a:t>4. Нарисовать </a:t>
+              <a:t>	4. Нарисовать </a:t>
             </a:r>
             <a:r>
               <a:rPr lang="ru-RU" dirty="0" err="1" smtClean="0"/>
@@ -5005,7 +5023,7 @@
         </p:nvSpPr>
         <p:spPr>
           <a:xfrm>
-            <a:off x="179512" y="5733256"/>
+            <a:off x="0" y="5661248"/>
             <a:ext cx="6899646" cy="923330"/>
           </a:xfrm>
           <a:prstGeom prst="rect">
@@ -5056,8 +5074,8 @@
           </a:p>
           <a:p>
             <a:r>
-              <a:rPr lang="en-US" dirty="0" smtClean="0"/>
-              <a:t>https://github.com/SyrtcevVadim/MyCivilization</a:t>
+              <a:rPr lang="en-US" smtClean="0"/>
+              <a:t>https://github.com/SyrtcevVadim/TerritoryRejection</a:t>
             </a:r>
             <a:endParaRPr lang="ru-RU" dirty="0"/>
           </a:p>

--- a/Documentation/ПрезентацияTurnBasedStrategy.pptx
+++ b/Documentation/ПрезентацияTurnBasedStrategy.pptx
@@ -5,7 +5,7 @@
     <p:sldMasterId id="2147483684" r:id="rId1"/>
   </p:sldMasterIdLst>
   <p:notesMasterIdLst>
-    <p:notesMasterId r:id="rId11"/>
+    <p:notesMasterId r:id="rId12"/>
   </p:notesMasterIdLst>
   <p:sldIdLst>
     <p:sldId id="256" r:id="rId2"/>
@@ -16,7 +16,8 @@
     <p:sldId id="259" r:id="rId7"/>
     <p:sldId id="258" r:id="rId8"/>
     <p:sldId id="257" r:id="rId9"/>
-    <p:sldId id="264" r:id="rId10"/>
+    <p:sldId id="265" r:id="rId10"/>
+    <p:sldId id="264" r:id="rId11"/>
   </p:sldIdLst>
   <p:sldSz cx="9144000" cy="6858000" type="screen4x3"/>
   <p:notesSz cx="6858000" cy="9144000"/>
@@ -4036,6 +4037,127 @@
 </p:sld>
 </file>
 
+<file path=ppt/slides/slide10.xml><?xml version="1.0" encoding="utf-8"?>
+<p:sld xmlns:a="http://schemas.openxmlformats.org/drawingml/2006/main" xmlns:r="http://schemas.openxmlformats.org/officeDocument/2006/relationships" xmlns:p="http://schemas.openxmlformats.org/presentationml/2006/main">
+  <p:cSld>
+    <p:spTree>
+      <p:nvGrpSpPr>
+        <p:cNvPr id="1" name=""/>
+        <p:cNvGrpSpPr/>
+        <p:nvPr/>
+      </p:nvGrpSpPr>
+      <p:grpSpPr>
+        <a:xfrm>
+          <a:off x="0" y="0"/>
+          <a:ext cx="0" cy="0"/>
+          <a:chOff x="0" y="0"/>
+          <a:chExt cx="0" cy="0"/>
+        </a:xfrm>
+      </p:grpSpPr>
+      <p:sp>
+        <p:nvSpPr>
+          <p:cNvPr id="2" name="Заголовок 1"/>
+          <p:cNvSpPr>
+            <a:spLocks noGrp="1"/>
+          </p:cNvSpPr>
+          <p:nvPr>
+            <p:ph type="title"/>
+          </p:nvPr>
+        </p:nvSpPr>
+        <p:spPr/>
+        <p:txBody>
+          <a:bodyPr/>
+          <a:lstStyle/>
+          <a:p>
+            <a:r>
+              <a:rPr lang="ru-RU" dirty="0" smtClean="0"/>
+              <a:t>Спасибо за внимание!</a:t>
+            </a:r>
+            <a:endParaRPr lang="ru-RU" dirty="0"/>
+          </a:p>
+        </p:txBody>
+      </p:sp>
+      <p:sp>
+        <p:nvSpPr>
+          <p:cNvPr id="4" name="TextBox 3"/>
+          <p:cNvSpPr txBox="1"/>
+          <p:nvPr/>
+        </p:nvSpPr>
+        <p:spPr>
+          <a:xfrm>
+            <a:off x="0" y="5661248"/>
+            <a:ext cx="6899646" cy="923330"/>
+          </a:xfrm>
+          <a:prstGeom prst="rect">
+            <a:avLst/>
+          </a:prstGeom>
+          <a:noFill/>
+        </p:spPr>
+        <p:txBody>
+          <a:bodyPr wrap="none" rtlCol="0">
+            <a:spAutoFit/>
+          </a:bodyPr>
+          <a:lstStyle/>
+          <a:p>
+            <a:r>
+              <a:rPr lang="ru-RU" dirty="0" smtClean="0"/>
+              <a:t>Ссылка на </a:t>
+            </a:r>
+            <a:r>
+              <a:rPr lang="ru-RU" dirty="0" err="1" smtClean="0"/>
+              <a:t>репозиторий</a:t>
+            </a:r>
+            <a:r>
+              <a:rPr lang="ru-RU" dirty="0" smtClean="0"/>
+              <a:t> </a:t>
+            </a:r>
+            <a:r>
+              <a:rPr lang="ru-RU" dirty="0" err="1" smtClean="0"/>
+              <a:t>гитхаба</a:t>
+            </a:r>
+            <a:r>
+              <a:rPr lang="ru-RU" dirty="0" smtClean="0"/>
+              <a:t>. Заходите </a:t>
+            </a:r>
+            <a:r>
+              <a:rPr lang="ru-RU" strike="sngStrike" dirty="0" smtClean="0"/>
+              <a:t>и поднимайте</a:t>
+            </a:r>
+          </a:p>
+          <a:p>
+            <a:r>
+              <a:rPr lang="ru-RU" strike="sngStrike" dirty="0" smtClean="0"/>
+              <a:t>мне статистику клонов</a:t>
+            </a:r>
+            <a:r>
+              <a:rPr lang="ru-RU" dirty="0" smtClean="0"/>
+              <a:t>, мы вам очень рады: </a:t>
+            </a:r>
+          </a:p>
+          <a:p>
+            <a:r>
+              <a:rPr lang="en-US" smtClean="0"/>
+              <a:t>https://github.com/SyrtcevVadim/TerritoryRejection</a:t>
+            </a:r>
+            <a:endParaRPr lang="ru-RU" dirty="0"/>
+          </a:p>
+        </p:txBody>
+      </p:sp>
+    </p:spTree>
+  </p:cSld>
+  <p:clrMapOvr>
+    <a:masterClrMapping/>
+  </p:clrMapOvr>
+  <p:timing>
+    <p:tnLst>
+      <p:par>
+        <p:cTn id="1" dur="indefinite" restart="never" nodeType="tmRoot"/>
+      </p:par>
+    </p:tnLst>
+  </p:timing>
+</p:sld>
+</file>
+
 <file path=ppt/slides/slide2.xml><?xml version="1.0" encoding="utf-8"?>
 <p:sld xmlns:a="http://schemas.openxmlformats.org/drawingml/2006/main" xmlns:r="http://schemas.openxmlformats.org/officeDocument/2006/relationships" xmlns:p="http://schemas.openxmlformats.org/presentationml/2006/main">
   <p:cSld>
@@ -5009,90 +5131,50 @@
           <a:p>
             <a:r>
               <a:rPr lang="ru-RU" dirty="0" smtClean="0"/>
-              <a:t>Спасибо за внимание!</a:t>
+              <a:t>Работающая программа</a:t>
             </a:r>
             <a:endParaRPr lang="ru-RU" dirty="0"/>
           </a:p>
         </p:txBody>
       </p:sp>
-      <p:sp>
-        <p:nvSpPr>
-          <p:cNvPr id="4" name="TextBox 3"/>
-          <p:cNvSpPr txBox="1"/>
+      <p:pic>
+        <p:nvPicPr>
+          <p:cNvPr id="1026" name="Picture 2"/>
+          <p:cNvPicPr>
+            <a:picLocks noChangeAspect="1" noChangeArrowheads="1"/>
+          </p:cNvPicPr>
           <p:nvPr/>
-        </p:nvSpPr>
-        <p:spPr>
-          <a:xfrm>
-            <a:off x="0" y="5661248"/>
-            <a:ext cx="6899646" cy="923330"/>
+        </p:nvPicPr>
+        <p:blipFill>
+          <a:blip r:embed="rId2" cstate="print"/>
+          <a:srcRect/>
+          <a:stretch>
+            <a:fillRect/>
+          </a:stretch>
+        </p:blipFill>
+        <p:spPr bwMode="auto">
+          <a:xfrm>
+            <a:off x="1043608" y="1772816"/>
+            <a:ext cx="6956275" cy="3912829"/>
           </a:xfrm>
           <a:prstGeom prst="rect">
             <a:avLst/>
           </a:prstGeom>
           <a:noFill/>
-        </p:spPr>
-        <p:txBody>
-          <a:bodyPr wrap="none" rtlCol="0">
-            <a:spAutoFit/>
-          </a:bodyPr>
-          <a:lstStyle/>
-          <a:p>
-            <a:r>
-              <a:rPr lang="ru-RU" dirty="0" smtClean="0"/>
-              <a:t>Ссылка на </a:t>
-            </a:r>
-            <a:r>
-              <a:rPr lang="ru-RU" dirty="0" err="1" smtClean="0"/>
-              <a:t>репозиторий</a:t>
-            </a:r>
-            <a:r>
-              <a:rPr lang="ru-RU" dirty="0" smtClean="0"/>
-              <a:t> </a:t>
-            </a:r>
-            <a:r>
-              <a:rPr lang="ru-RU" dirty="0" err="1" smtClean="0"/>
-              <a:t>гитхаба</a:t>
-            </a:r>
-            <a:r>
-              <a:rPr lang="ru-RU" dirty="0" smtClean="0"/>
-              <a:t>. Заходите </a:t>
-            </a:r>
-            <a:r>
-              <a:rPr lang="ru-RU" strike="sngStrike" dirty="0" smtClean="0"/>
-              <a:t>и поднимайте</a:t>
-            </a:r>
-          </a:p>
-          <a:p>
-            <a:r>
-              <a:rPr lang="ru-RU" strike="sngStrike" dirty="0" smtClean="0"/>
-              <a:t>мне статистику клонов</a:t>
-            </a:r>
-            <a:r>
-              <a:rPr lang="ru-RU" dirty="0" smtClean="0"/>
-              <a:t>, мы вам очень рады: </a:t>
-            </a:r>
-          </a:p>
-          <a:p>
-            <a:r>
-              <a:rPr lang="en-US" smtClean="0"/>
-              <a:t>https://github.com/SyrtcevVadim/TerritoryRejection</a:t>
-            </a:r>
-            <a:endParaRPr lang="ru-RU" dirty="0"/>
-          </a:p>
-        </p:txBody>
-      </p:sp>
+          <a:ln w="9525">
+            <a:noFill/>
+            <a:miter lim="800000"/>
+            <a:headEnd/>
+            <a:tailEnd/>
+          </a:ln>
+          <a:effectLst/>
+        </p:spPr>
+      </p:pic>
     </p:spTree>
   </p:cSld>
   <p:clrMapOvr>
     <a:masterClrMapping/>
   </p:clrMapOvr>
-  <p:timing>
-    <p:tnLst>
-      <p:par>
-        <p:cTn id="1" dur="indefinite" restart="never" nodeType="tmRoot"/>
-      </p:par>
-    </p:tnLst>
-  </p:timing>
 </p:sld>
 </file>
 

--- a/Documentation/ПрезентацияTurnBasedStrategy.pptx
+++ b/Documentation/ПрезентацияTurnBasedStrategy.pptx
@@ -10,9 +10,9 @@
   <p:sldIdLst>
     <p:sldId id="256" r:id="rId2"/>
     <p:sldId id="262" r:id="rId3"/>
-    <p:sldId id="261" r:id="rId4"/>
-    <p:sldId id="260" r:id="rId5"/>
-    <p:sldId id="263" r:id="rId6"/>
+    <p:sldId id="263" r:id="rId4"/>
+    <p:sldId id="261" r:id="rId5"/>
+    <p:sldId id="260" r:id="rId6"/>
     <p:sldId id="259" r:id="rId7"/>
     <p:sldId id="258" r:id="rId8"/>
     <p:sldId id="257" r:id="rId9"/>
@@ -3962,7 +3962,22 @@
             <a:pPr algn="ctr"/>
             <a:r>
               <a:rPr lang="en-US" b="1" dirty="0" smtClean="0"/>
-              <a:t>Turn-based strategy. Unity</a:t>
+              <a:t>Turn-based strategy. </a:t>
+            </a:r>
+            <a:r>
+              <a:rPr lang="en-US" b="1" dirty="0" smtClean="0"/>
+              <a:t>Unity</a:t>
+            </a:r>
+            <a:r>
+              <a:rPr lang="ru-RU" b="1" dirty="0" smtClean="0"/>
+              <a:t>.</a:t>
+            </a:r>
+            <a:br>
+              <a:rPr lang="ru-RU" b="1" dirty="0" smtClean="0"/>
+            </a:br>
+            <a:r>
+              <a:rPr lang="en-US" b="1" dirty="0" smtClean="0"/>
+              <a:t>Territory rejection.</a:t>
             </a:r>
             <a:endParaRPr lang="ru-RU" b="1" dirty="0"/>
           </a:p>
@@ -4531,7 +4546,12 @@
             <p:ph type="title"/>
           </p:nvPr>
         </p:nvSpPr>
-        <p:spPr/>
+        <p:spPr>
+          <a:xfrm>
+            <a:off x="323528" y="-243408"/>
+            <a:ext cx="8229600" cy="1399032"/>
+          </a:xfrm>
+        </p:spPr>
         <p:txBody>
           <a:bodyPr/>
           <a:lstStyle/>
@@ -4539,60 +4559,38 @@
             <a:pPr algn="ctr"/>
             <a:r>
               <a:rPr lang="ru-RU" dirty="0" smtClean="0"/>
-              <a:t>Условия победы:</a:t>
+              <a:t>Прототип</a:t>
             </a:r>
             <a:endParaRPr lang="ru-RU" dirty="0"/>
           </a:p>
         </p:txBody>
       </p:sp>
-      <p:sp>
-        <p:nvSpPr>
-          <p:cNvPr id="3" name="Содержимое 2"/>
-          <p:cNvSpPr>
-            <a:spLocks noGrp="1"/>
-          </p:cNvSpPr>
-          <p:nvPr>
-            <p:ph idx="1"/>
-          </p:nvPr>
-        </p:nvSpPr>
-        <p:spPr>
-          <a:xfrm>
-            <a:off x="395536" y="1628800"/>
-            <a:ext cx="8229600" cy="4572000"/>
-          </a:xfrm>
-        </p:spPr>
-        <p:txBody>
-          <a:bodyPr/>
-          <a:lstStyle/>
-          <a:p>
-            <a:pPr algn="ctr">
-              <a:buNone/>
-            </a:pPr>
-            <a:r>
-              <a:rPr lang="ru-RU" dirty="0" smtClean="0"/>
-              <a:t>Игрок на каждом уровне может победить только одним способом:</a:t>
-            </a:r>
-          </a:p>
-          <a:p>
-            <a:pPr marL="578358" indent="-514350">
-              <a:buAutoNum type="arabicPeriod"/>
-            </a:pPr>
-            <a:r>
-              <a:rPr lang="ru-RU" dirty="0" smtClean="0"/>
-              <a:t>Старость: Игрок завершил 36 дней	 и не проиграл.</a:t>
-            </a:r>
-          </a:p>
-          <a:p>
-            <a:pPr marL="578358" indent="-514350" algn="just">
-              <a:buNone/>
-            </a:pPr>
-            <a:r>
-              <a:rPr lang="ru-RU" dirty="0" smtClean="0"/>
-              <a:t>Чтобы облегчить себе задачу, игрок может уничтожить лидера мятежников или уничтожить всех верховных чудовищ</a:t>
-            </a:r>
-          </a:p>
-        </p:txBody>
-      </p:sp>
+      <p:pic>
+        <p:nvPicPr>
+          <p:cNvPr id="20482" name="Picture 2" descr="C:\Users\Вадим\Desktop\code\StepWiseGame\Documentation\Prototype.jpg"/>
+          <p:cNvPicPr>
+            <a:picLocks noChangeAspect="1" noChangeArrowheads="1"/>
+          </p:cNvPicPr>
+          <p:nvPr/>
+        </p:nvPicPr>
+        <p:blipFill>
+          <a:blip r:embed="rId2" cstate="print"/>
+          <a:srcRect b="23244"/>
+          <a:stretch>
+            <a:fillRect/>
+          </a:stretch>
+        </p:blipFill>
+        <p:spPr bwMode="auto">
+          <a:xfrm>
+            <a:off x="827584" y="764704"/>
+            <a:ext cx="7704856" cy="5913740"/>
+          </a:xfrm>
+          <a:prstGeom prst="rect">
+            <a:avLst/>
+          </a:prstGeom>
+          <a:noFill/>
+        </p:spPr>
+      </p:pic>
     </p:spTree>
   </p:cSld>
   <p:clrMapOvr>
@@ -4640,9 +4638,10 @@
           <a:bodyPr/>
           <a:lstStyle/>
           <a:p>
+            <a:pPr algn="ctr"/>
             <a:r>
               <a:rPr lang="ru-RU" dirty="0" smtClean="0"/>
-              <a:t>Условия поражения:</a:t>
+              <a:t>Условия победы:</a:t>
             </a:r>
             <a:endParaRPr lang="ru-RU" dirty="0"/>
           </a:p>
@@ -4658,34 +4657,40 @@
             <p:ph idx="1"/>
           </p:nvPr>
         </p:nvSpPr>
-        <p:spPr/>
+        <p:spPr>
+          <a:xfrm>
+            <a:off x="395536" y="1628800"/>
+            <a:ext cx="8229600" cy="4572000"/>
+          </a:xfrm>
+        </p:spPr>
         <p:txBody>
           <a:bodyPr/>
           <a:lstStyle/>
           <a:p>
+            <a:pPr algn="ctr">
+              <a:buNone/>
+            </a:pPr>
             <a:r>
               <a:rPr lang="ru-RU" dirty="0" smtClean="0"/>
-              <a:t>Государственный переворот(Если люди недовольны, а они недовольны, когда их дома сжигают)</a:t>
-            </a:r>
-          </a:p>
-          <a:p>
+              <a:t>Игрок на каждом уровне может победить только одним способом:</a:t>
+            </a:r>
+          </a:p>
+          <a:p>
+            <a:pPr marL="578358" indent="-514350">
+              <a:buAutoNum type="arabicPeriod"/>
+            </a:pPr>
             <a:r>
               <a:rPr lang="ru-RU" dirty="0" smtClean="0"/>
-              <a:t>Смерть всех </a:t>
-            </a:r>
-            <a:r>
-              <a:rPr lang="ru-RU" dirty="0" err="1" smtClean="0"/>
-              <a:t>юнитов</a:t>
-            </a:r>
+              <a:t>Старость: Игрок завершил 36 дней	 и не проиграл.</a:t>
+            </a:r>
+          </a:p>
+          <a:p>
+            <a:pPr marL="578358" indent="-514350" algn="just">
+              <a:buNone/>
+            </a:pPr>
             <a:r>
               <a:rPr lang="ru-RU" dirty="0" smtClean="0"/>
-              <a:t>(территория останется под контролем противника)</a:t>
-            </a:r>
-          </a:p>
-          <a:p>
-            <a:r>
-              <a:rPr lang="ru-RU" dirty="0" smtClean="0"/>
-              <a:t>Задержка в отправке ресурсов королю(империя падет, если поставки прекратятся)</a:t>
+              <a:t>Чтобы облегчить себе задачу, игрок может уничтожить лидера мятежников или уничтожить всех верховных чудовищ</a:t>
             </a:r>
           </a:p>
         </p:txBody>
@@ -4732,51 +4737,61 @@
             <p:ph type="title"/>
           </p:nvPr>
         </p:nvSpPr>
-        <p:spPr>
-          <a:xfrm>
-            <a:off x="323528" y="-243408"/>
-            <a:ext cx="8229600" cy="1399032"/>
-          </a:xfrm>
-        </p:spPr>
+        <p:spPr/>
         <p:txBody>
           <a:bodyPr/>
           <a:lstStyle/>
           <a:p>
-            <a:pPr algn="ctr"/>
             <a:r>
               <a:rPr lang="ru-RU" dirty="0" smtClean="0"/>
-              <a:t>Прототип</a:t>
+              <a:t>Условия поражения:</a:t>
             </a:r>
             <a:endParaRPr lang="ru-RU" dirty="0"/>
           </a:p>
         </p:txBody>
       </p:sp>
-      <p:pic>
-        <p:nvPicPr>
-          <p:cNvPr id="20482" name="Picture 2" descr="C:\Users\Вадим\Desktop\code\StepWiseGame\Documentation\Prototype.jpg"/>
-          <p:cNvPicPr>
-            <a:picLocks noChangeAspect="1" noChangeArrowheads="1"/>
-          </p:cNvPicPr>
-          <p:nvPr/>
-        </p:nvPicPr>
-        <p:blipFill>
-          <a:blip r:embed="rId2" cstate="print"/>
-          <a:srcRect b="23244"/>
-          <a:stretch>
-            <a:fillRect/>
-          </a:stretch>
-        </p:blipFill>
-        <p:spPr bwMode="auto">
-          <a:xfrm>
-            <a:off x="1043608" y="908720"/>
-            <a:ext cx="7416824" cy="5692666"/>
-          </a:xfrm>
-          <a:prstGeom prst="rect">
-            <a:avLst/>
-          </a:prstGeom>
-          <a:noFill/>
-        </p:spPr>
-      </p:pic>
+      <p:sp>
+        <p:nvSpPr>
+          <p:cNvPr id="3" name="Содержимое 2"/>
+          <p:cNvSpPr>
+            <a:spLocks noGrp="1"/>
+          </p:cNvSpPr>
+          <p:nvPr>
+            <p:ph idx="1"/>
+          </p:nvPr>
+        </p:nvSpPr>
+        <p:spPr/>
+        <p:txBody>
+          <a:bodyPr/>
+          <a:lstStyle/>
+          <a:p>
+            <a:r>
+              <a:rPr lang="ru-RU" dirty="0" smtClean="0"/>
+              <a:t>Государственный переворот(Если люди недовольны, а они недовольны, когда их дома сжигают)</a:t>
+            </a:r>
+          </a:p>
+          <a:p>
+            <a:r>
+              <a:rPr lang="ru-RU" dirty="0" smtClean="0"/>
+              <a:t>Смерть всех </a:t>
+            </a:r>
+            <a:r>
+              <a:rPr lang="ru-RU" dirty="0" err="1" smtClean="0"/>
+              <a:t>юнитов</a:t>
+            </a:r>
+            <a:r>
+              <a:rPr lang="ru-RU" dirty="0" smtClean="0"/>
+              <a:t>(территория останется под контролем противника)</a:t>
+            </a:r>
+          </a:p>
+          <a:p>
+            <a:r>
+              <a:rPr lang="ru-RU" dirty="0" smtClean="0"/>
+              <a:t>Задержка в отправке ресурсов королю(империя падет, если поставки прекратятся)</a:t>
+            </a:r>
+          </a:p>
+        </p:txBody>
+      </p:sp>
     </p:spTree>
   </p:cSld>
   <p:clrMapOvr>
@@ -4821,7 +4836,7 @@
         </p:nvSpPr>
         <p:spPr>
           <a:xfrm>
-            <a:off x="0" y="476672"/>
+            <a:off x="-468560" y="476672"/>
             <a:ext cx="3707904" cy="1399032"/>
           </a:xfrm>
         </p:spPr>
@@ -4842,7 +4857,7 @@
       </p:sp>
       <p:pic>
         <p:nvPicPr>
-          <p:cNvPr id="16385" name="Picture 1" descr="C:\Users\Вадим\Desktop\блок-схема.jpg"/>
+          <p:cNvPr id="5122" name="Picture 2" descr="https://sun9-9.userapi.com/impg/fA7qKfGCmrXoQBsM5fopn3hVGzL4ovvmvo_dfA/fItf-TFCtk8.jpg?size=700x819&amp;quality=96&amp;proxy=1&amp;sign=ba4973c275565e9e0c512154b31470e6&amp;type=album"/>
           <p:cNvPicPr>
             <a:picLocks noChangeAspect="1" noChangeArrowheads="1"/>
           </p:cNvPicPr>
@@ -4857,8 +4872,8 @@
         </p:blipFill>
         <p:spPr bwMode="auto">
           <a:xfrm>
-            <a:off x="5004048" y="200762"/>
-            <a:ext cx="1584176" cy="6657238"/>
+            <a:off x="3347864" y="355699"/>
+            <a:ext cx="5557522" cy="6502301"/>
           </a:xfrm>
           <a:prstGeom prst="rect">
             <a:avLst/>
@@ -4908,7 +4923,12 @@
             <p:ph type="title"/>
           </p:nvPr>
         </p:nvSpPr>
-        <p:spPr/>
+        <p:spPr>
+          <a:xfrm>
+            <a:off x="-252536" y="0"/>
+            <a:ext cx="8229600" cy="1399032"/>
+          </a:xfrm>
+        </p:spPr>
         <p:txBody>
           <a:bodyPr/>
           <a:lstStyle/>
@@ -4938,8 +4958,8 @@
         </p:blipFill>
         <p:spPr bwMode="auto">
           <a:xfrm>
-            <a:off x="2123728" y="1673424"/>
-            <a:ext cx="5184576" cy="5184576"/>
+            <a:off x="3482752" y="908720"/>
+            <a:ext cx="5661248" cy="5661248"/>
           </a:xfrm>
           <a:prstGeom prst="rect">
             <a:avLst/>
@@ -5014,7 +5034,9 @@
         </p:nvSpPr>
         <p:spPr/>
         <p:txBody>
-          <a:bodyPr/>
+          <a:bodyPr>
+            <a:normAutofit fontScale="92500" lnSpcReduction="20000"/>
+          </a:bodyPr>
           <a:lstStyle/>
           <a:p>
             <a:pPr>
@@ -5056,7 +5078,7 @@
               <a:buNone/>
             </a:pPr>
             <a:r>
-              <a:rPr lang="ru-RU" smtClean="0"/>
+              <a:rPr lang="ru-RU" dirty="0" smtClean="0"/>
               <a:t>	4. Нарисовать </a:t>
             </a:r>
             <a:r>
@@ -5065,8 +5087,40 @@
             </a:r>
             <a:r>
               <a:rPr lang="ru-RU" dirty="0" smtClean="0"/>
-              <a:t> для всех элементов игры</a:t>
-            </a:r>
+              <a:t> для всех элементов </a:t>
+            </a:r>
+            <a:r>
+              <a:rPr lang="ru-RU" dirty="0" smtClean="0"/>
+              <a:t>игры</a:t>
+            </a:r>
+          </a:p>
+          <a:p>
+            <a:pPr>
+              <a:buNone/>
+            </a:pPr>
+            <a:r>
+              <a:rPr lang="ru-RU" dirty="0" smtClean="0"/>
+              <a:t>	5. Реализовать умный </a:t>
+            </a:r>
+            <a:r>
+              <a:rPr lang="en-US" dirty="0" smtClean="0"/>
+              <a:t>AI </a:t>
+            </a:r>
+            <a:r>
+              <a:rPr lang="ru-RU" dirty="0" smtClean="0"/>
+              <a:t>для вражеских </a:t>
+            </a:r>
+            <a:r>
+              <a:rPr lang="ru-RU" dirty="0" err="1" smtClean="0"/>
+              <a:t>юнитов</a:t>
+            </a:r>
+            <a:endParaRPr lang="ru-RU" dirty="0" smtClean="0"/>
+          </a:p>
+          <a:p>
+            <a:pPr>
+              <a:buNone/>
+            </a:pPr>
+            <a:endParaRPr lang="ru-RU" dirty="0" smtClean="0"/>
           </a:p>
           <a:p>
             <a:pPr>
